--- a/week-6/sql-join.pptx
+++ b/week-6/sql-join.pptx
@@ -289,7 +289,7 @@
           <a:p>
             <a:fld id="{D1F81634-593A-4D5B-ADD7-B799CF0FC8CA}" type="datetimeFigureOut">
               <a:rPr lang="en-US" smtClean="0"/>
-              <a:t>11/22/2019</a:t>
+              <a:t>11/25/2019</a:t>
             </a:fld>
             <a:endParaRPr lang="en-US"/>
           </a:p>
@@ -619,7 +619,7 @@
           <a:p>
             <a:fld id="{D1F81634-593A-4D5B-ADD7-B799CF0FC8CA}" type="datetimeFigureOut">
               <a:rPr lang="en-US" smtClean="0"/>
-              <a:t>11/22/2019</a:t>
+              <a:t>11/25/2019</a:t>
             </a:fld>
             <a:endParaRPr lang="en-US"/>
           </a:p>
@@ -799,7 +799,7 @@
           <a:p>
             <a:fld id="{D1F81634-593A-4D5B-ADD7-B799CF0FC8CA}" type="datetimeFigureOut">
               <a:rPr lang="en-US" smtClean="0"/>
-              <a:t>11/22/2019</a:t>
+              <a:t>11/25/2019</a:t>
             </a:fld>
             <a:endParaRPr lang="en-US"/>
           </a:p>
@@ -969,7 +969,7 @@
           <a:p>
             <a:fld id="{D1F81634-593A-4D5B-ADD7-B799CF0FC8CA}" type="datetimeFigureOut">
               <a:rPr lang="en-US" smtClean="0"/>
-              <a:t>11/22/2019</a:t>
+              <a:t>11/25/2019</a:t>
             </a:fld>
             <a:endParaRPr lang="en-US"/>
           </a:p>
@@ -1246,7 +1246,7 @@
           <a:p>
             <a:fld id="{D1F81634-593A-4D5B-ADD7-B799CF0FC8CA}" type="datetimeFigureOut">
               <a:rPr lang="en-US" smtClean="0"/>
-              <a:t>11/22/2019</a:t>
+              <a:t>11/25/2019</a:t>
             </a:fld>
             <a:endParaRPr lang="en-US"/>
           </a:p>
@@ -1640,7 +1640,7 @@
           <a:p>
             <a:fld id="{D1F81634-593A-4D5B-ADD7-B799CF0FC8CA}" type="datetimeFigureOut">
               <a:rPr lang="en-US" smtClean="0"/>
-              <a:t>11/22/2019</a:t>
+              <a:t>11/25/2019</a:t>
             </a:fld>
             <a:endParaRPr lang="en-US"/>
           </a:p>
@@ -2117,7 +2117,7 @@
           <a:p>
             <a:fld id="{D1F81634-593A-4D5B-ADD7-B799CF0FC8CA}" type="datetimeFigureOut">
               <a:rPr lang="en-US" smtClean="0"/>
-              <a:t>11/22/2019</a:t>
+              <a:t>11/25/2019</a:t>
             </a:fld>
             <a:endParaRPr lang="en-US"/>
           </a:p>
@@ -2235,7 +2235,7 @@
           <a:p>
             <a:fld id="{D1F81634-593A-4D5B-ADD7-B799CF0FC8CA}" type="datetimeFigureOut">
               <a:rPr lang="en-US" smtClean="0"/>
-              <a:t>11/22/2019</a:t>
+              <a:t>11/25/2019</a:t>
             </a:fld>
             <a:endParaRPr lang="en-US"/>
           </a:p>
@@ -2330,7 +2330,7 @@
           <a:p>
             <a:fld id="{D1F81634-593A-4D5B-ADD7-B799CF0FC8CA}" type="datetimeFigureOut">
               <a:rPr lang="en-US" smtClean="0"/>
-              <a:t>11/22/2019</a:t>
+              <a:t>11/25/2019</a:t>
             </a:fld>
             <a:endParaRPr lang="en-US"/>
           </a:p>
@@ -2676,7 +2676,7 @@
           <a:p>
             <a:fld id="{D1F81634-593A-4D5B-ADD7-B799CF0FC8CA}" type="datetimeFigureOut">
               <a:rPr lang="en-US" smtClean="0"/>
-              <a:t>11/22/2019</a:t>
+              <a:t>11/25/2019</a:t>
             </a:fld>
             <a:endParaRPr lang="en-US"/>
           </a:p>
@@ -3064,7 +3064,7 @@
           <a:p>
             <a:fld id="{D1F81634-593A-4D5B-ADD7-B799CF0FC8CA}" type="datetimeFigureOut">
               <a:rPr lang="en-US" smtClean="0"/>
-              <a:t>11/22/2019</a:t>
+              <a:t>11/25/2019</a:t>
             </a:fld>
             <a:endParaRPr lang="en-US"/>
           </a:p>
@@ -3342,7 +3342,7 @@
           <a:p>
             <a:fld id="{D1F81634-593A-4D5B-ADD7-B799CF0FC8CA}" type="datetimeFigureOut">
               <a:rPr lang="en-US" smtClean="0"/>
-              <a:t>11/22/2019</a:t>
+              <a:t>11/25/2019</a:t>
             </a:fld>
             <a:endParaRPr lang="en-US"/>
           </a:p>
@@ -4247,7 +4247,7 @@
             </a:r>
             <a:r>
               <a:rPr lang="en-US" dirty="0"/>
-              <a:t>a particular field used in a JOIN has only unique values.</a:t>
+              <a:t>a particular field used in a JOIN has unique values.</a:t>
             </a:r>
           </a:p>
           <a:p>
@@ -4576,7 +4576,7 @@
           <a:p>
             <a:r>
               <a:rPr lang="en-US" dirty="0"/>
-              <a:t>There are two primary types of JOINs: INNER and OUTER</a:t>
+              <a:t>There are two primary types of JOINs: INNER and OUTER.</a:t>
             </a:r>
           </a:p>
           <a:p>
@@ -5249,13 +5249,7 @@
           <a:p>
             <a:r>
               <a:rPr lang="en-US" dirty="0"/>
-              <a:t>The LEFT OUTER JOIN (or LEFT JOIN) and the RIGHT OUTER JOIN (or RIGHT JOIN) .</a:t>
-            </a:r>
-          </a:p>
-          <a:p>
-            <a:r>
-              <a:rPr lang="en-US" dirty="0"/>
-              <a:t>It returns all records from </a:t>
+              <a:t>The LEFT OUTER JOIN (or LEFT JOIN) and the RIGHT OUTER JOIN (or RIGHT JOIN) returns all records from </a:t>
             </a:r>
             <a:r>
               <a:rPr lang="en-US" b="1" dirty="0"/>
@@ -5267,6 +5261,7 @@
             </a:r>
           </a:p>
           <a:p>
+            <a:pPr lvl="1"/>
             <a:r>
               <a:rPr lang="en-US" dirty="0"/>
               <a:t>LEFT vs. RIGHT refers to the table in JOIN.</a:t>
@@ -6612,23 +6607,6 @@
               <a:t>returns only matches</a:t>
             </a:r>
           </a:p>
-          <a:p>
-            <a:pPr marL="0" indent="0">
-              <a:buNone/>
-            </a:pPr>
-            <a:r>
-              <a:rPr lang="en-US" sz="1400" i="1" dirty="0"/>
-              <a:t>See join-ppt-</a:t>
-            </a:r>
-            <a:r>
-              <a:rPr lang="en-US" sz="1400" i="1" dirty="0" err="1"/>
-              <a:t>ex.sql</a:t>
-            </a:r>
-            <a:r>
-              <a:rPr lang="en-US" sz="1400" i="1" dirty="0"/>
-              <a:t> for </a:t>
-            </a:r>
-          </a:p>
         </p:txBody>
       </p:sp>
       <p:sp>
@@ -6900,7 +6878,7 @@
           <a:graphicData uri="http://schemas.openxmlformats.org/presentationml/2006/ole">
             <mc:AlternateContent xmlns:mc="http://schemas.openxmlformats.org/markup-compatibility/2006">
               <mc:Choice xmlns:v="urn:schemas-microsoft-com:vml" Requires="v">
-                <p:oleObj spid="_x0000_s8296" name="Worksheet" r:id="rId3" imgW="2522043" imgH="960262" progId="Excel.Sheet.12">
+                <p:oleObj spid="_x0000_s8305" name="Worksheet" r:id="rId3" imgW="2522043" imgH="960262" progId="Excel.Sheet.12">
                   <p:embed/>
                 </p:oleObj>
               </mc:Choice>
@@ -6923,69 +6901,6 @@
                       <a:xfrm>
                         <a:off x="869850" y="3353937"/>
                         <a:ext cx="4413575" cy="1680459"/>
-                      </a:xfrm>
-                      <a:prstGeom prst="rect">
-                        <a:avLst/>
-                      </a:prstGeom>
-                    </p:spPr>
-                  </p:pic>
-                </p:oleObj>
-              </mc:Fallback>
-            </mc:AlternateContent>
-          </a:graphicData>
-        </a:graphic>
-      </p:graphicFrame>
-      <p:graphicFrame>
-        <p:nvGraphicFramePr>
-          <p:cNvPr id="12" name="Object 11">
-            <a:extLst>
-              <a:ext uri="{FF2B5EF4-FFF2-40B4-BE49-F238E27FC236}">
-                <a16:creationId xmlns:a16="http://schemas.microsoft.com/office/drawing/2014/main" id="{F2F6B83F-0544-48C2-9B40-81DA716FE3AB}"/>
-              </a:ext>
-            </a:extLst>
-          </p:cNvPr>
-          <p:cNvGraphicFramePr>
-            <a:graphicFrameLocks noChangeAspect="1"/>
-          </p:cNvGraphicFramePr>
-          <p:nvPr>
-            <p:extLst>
-              <p:ext uri="{D42A27DB-BD31-4B8C-83A1-F6EECF244321}">
-                <p14:modId xmlns:p14="http://schemas.microsoft.com/office/powerpoint/2010/main" val="3879932018"/>
-              </p:ext>
-            </p:extLst>
-          </p:nvPr>
-        </p:nvGraphicFramePr>
-        <p:xfrm>
-          <a:off x="5199427" y="3546224"/>
-          <a:ext cx="6297878" cy="1382829"/>
-        </p:xfrm>
-        <a:graphic>
-          <a:graphicData uri="http://schemas.openxmlformats.org/presentationml/2006/ole">
-            <mc:AlternateContent xmlns:mc="http://schemas.openxmlformats.org/markup-compatibility/2006">
-              <mc:Choice xmlns:v="urn:schemas-microsoft-com:vml" Requires="v">
-                <p:oleObj spid="_x0000_s8297" name="Worksheet" r:id="rId5" imgW="4198585" imgH="921886" progId="Excel.Sheet.12">
-                  <p:embed/>
-                </p:oleObj>
-              </mc:Choice>
-              <mc:Fallback>
-                <p:oleObj name="Worksheet" r:id="rId5" imgW="4198585" imgH="921886" progId="Excel.Sheet.12">
-                  <p:embed/>
-                  <p:pic>
-                    <p:nvPicPr>
-                      <p:cNvPr id="0" name=""/>
-                      <p:cNvPicPr/>
-                      <p:nvPr/>
-                    </p:nvPicPr>
-                    <p:blipFill>
-                      <a:blip r:embed="rId6"/>
-                      <a:stretch>
-                        <a:fillRect/>
-                      </a:stretch>
-                    </p:blipFill>
-                    <p:spPr>
-                      <a:xfrm>
-                        <a:off x="5199427" y="3546224"/>
-                        <a:ext cx="6297878" cy="1382829"/>
                       </a:xfrm>
                       <a:prstGeom prst="rect">
                         <a:avLst/>
@@ -7026,12 +6941,12 @@
           <a:graphicData uri="http://schemas.openxmlformats.org/presentationml/2006/ole">
             <mc:AlternateContent xmlns:mc="http://schemas.openxmlformats.org/markup-compatibility/2006">
               <mc:Choice xmlns:v="urn:schemas-microsoft-com:vml" Requires="v">
-                <p:oleObj spid="_x0000_s8298" name="Worksheet" r:id="rId7" imgW="5379649" imgH="1486018" progId="Excel.Sheet.12">
+                <p:oleObj spid="_x0000_s8306" name="Worksheet" r:id="rId5" imgW="5379649" imgH="1486018" progId="Excel.Sheet.12">
                   <p:embed/>
                 </p:oleObj>
               </mc:Choice>
               <mc:Fallback>
-                <p:oleObj name="Worksheet" r:id="rId7" imgW="5379649" imgH="1486018" progId="Excel.Sheet.12">
+                <p:oleObj name="Worksheet" r:id="rId5" imgW="5379649" imgH="1486018" progId="Excel.Sheet.12">
                   <p:embed/>
                   <p:pic>
                     <p:nvPicPr>
@@ -7040,7 +6955,7 @@
                       <p:nvPr/>
                     </p:nvPicPr>
                     <p:blipFill>
-                      <a:blip r:embed="rId8"/>
+                      <a:blip r:embed="rId6"/>
                       <a:stretch>
                         <a:fillRect/>
                       </a:stretch>
@@ -7298,6 +7213,69 @@
           </a:p>
         </p:txBody>
       </p:sp>
+      <p:graphicFrame>
+        <p:nvGraphicFramePr>
+          <p:cNvPr id="3" name="Object 2">
+            <a:extLst>
+              <a:ext uri="{FF2B5EF4-FFF2-40B4-BE49-F238E27FC236}">
+                <a16:creationId xmlns:a16="http://schemas.microsoft.com/office/drawing/2014/main" id="{6FA7C2C1-5D02-444F-BB6D-98F49125FDD5}"/>
+              </a:ext>
+            </a:extLst>
+          </p:cNvPr>
+          <p:cNvGraphicFramePr>
+            <a:graphicFrameLocks noChangeAspect="1"/>
+          </p:cNvGraphicFramePr>
+          <p:nvPr>
+            <p:extLst>
+              <p:ext uri="{D42A27DB-BD31-4B8C-83A1-F6EECF244321}">
+                <p14:modId xmlns:p14="http://schemas.microsoft.com/office/powerpoint/2010/main" val="1220408285"/>
+              </p:ext>
+            </p:extLst>
+          </p:nvPr>
+        </p:nvGraphicFramePr>
+        <p:xfrm>
+          <a:off x="5724569" y="3729477"/>
+          <a:ext cx="5248231" cy="923698"/>
+        </p:xfrm>
+        <a:graphic>
+          <a:graphicData uri="http://schemas.openxmlformats.org/presentationml/2006/ole">
+            <mc:AlternateContent xmlns:mc="http://schemas.openxmlformats.org/markup-compatibility/2006">
+              <mc:Choice xmlns:v="urn:schemas-microsoft-com:vml" Requires="v">
+                <p:oleObj spid="_x0000_s8307" name="Worksheet" r:id="rId7" imgW="4198585" imgH="738958" progId="Excel.Sheet.12">
+                  <p:embed/>
+                </p:oleObj>
+              </mc:Choice>
+              <mc:Fallback>
+                <p:oleObj name="Worksheet" r:id="rId7" imgW="4198585" imgH="738958" progId="Excel.Sheet.12">
+                  <p:embed/>
+                  <p:pic>
+                    <p:nvPicPr>
+                      <p:cNvPr id="0" name=""/>
+                      <p:cNvPicPr/>
+                      <p:nvPr/>
+                    </p:nvPicPr>
+                    <p:blipFill>
+                      <a:blip r:embed="rId8"/>
+                      <a:stretch>
+                        <a:fillRect/>
+                      </a:stretch>
+                    </p:blipFill>
+                    <p:spPr>
+                      <a:xfrm>
+                        <a:off x="5724569" y="3729477"/>
+                        <a:ext cx="5248231" cy="923698"/>
+                      </a:xfrm>
+                      <a:prstGeom prst="rect">
+                        <a:avLst/>
+                      </a:prstGeom>
+                    </p:spPr>
+                  </p:pic>
+                </p:oleObj>
+              </mc:Fallback>
+            </mc:AlternateContent>
+          </a:graphicData>
+        </a:graphic>
+      </p:graphicFrame>
     </p:spTree>
     <p:extLst>
       <p:ext uri="{BB962C8B-B14F-4D97-AF65-F5344CB8AC3E}">
@@ -8123,7 +8101,7 @@
           <a:graphicData uri="http://schemas.openxmlformats.org/presentationml/2006/ole">
             <mc:AlternateContent xmlns:mc="http://schemas.openxmlformats.org/markup-compatibility/2006">
               <mc:Choice xmlns:v="urn:schemas-microsoft-com:vml" Requires="v">
-                <p:oleObj spid="_x0000_s11304" name="Worksheet" r:id="rId3" imgW="3840480" imgH="1531644" progId="Excel.Sheet.12">
+                <p:oleObj spid="_x0000_s11313" name="Worksheet" r:id="rId3" imgW="3840480" imgH="1531644" progId="Excel.Sheet.12">
                   <p:embed/>
                 </p:oleObj>
               </mc:Choice>
@@ -8186,7 +8164,7 @@
           <a:graphicData uri="http://schemas.openxmlformats.org/presentationml/2006/ole">
             <mc:AlternateContent xmlns:mc="http://schemas.openxmlformats.org/markup-compatibility/2006">
               <mc:Choice xmlns:v="urn:schemas-microsoft-com:vml" Requires="v">
-                <p:oleObj spid="_x0000_s11305" name="Worksheet" r:id="rId5" imgW="3231022" imgH="1104813" progId="Excel.Sheet.12">
+                <p:oleObj spid="_x0000_s11314" name="Worksheet" r:id="rId5" imgW="3231022" imgH="1104813" progId="Excel.Sheet.12">
                   <p:embed/>
                 </p:oleObj>
               </mc:Choice>
@@ -8249,7 +8227,7 @@
           <a:graphicData uri="http://schemas.openxmlformats.org/presentationml/2006/ole">
             <mc:AlternateContent xmlns:mc="http://schemas.openxmlformats.org/markup-compatibility/2006">
               <mc:Choice xmlns:v="urn:schemas-microsoft-com:vml" Requires="v">
-                <p:oleObj spid="_x0000_s11306" name="Worksheet" r:id="rId7" imgW="5379649" imgH="1486018" progId="Excel.Sheet.12">
+                <p:oleObj spid="_x0000_s11315" name="Worksheet" r:id="rId7" imgW="5379649" imgH="1486018" progId="Excel.Sheet.12">
                   <p:embed/>
                 </p:oleObj>
               </mc:Choice>
@@ -9324,7 +9302,7 @@
           <a:graphicData uri="http://schemas.openxmlformats.org/presentationml/2006/ole">
             <mc:AlternateContent xmlns:mc="http://schemas.openxmlformats.org/markup-compatibility/2006">
               <mc:Choice xmlns:v="urn:schemas-microsoft-com:vml" Requires="v">
-                <p:oleObj spid="_x0000_s12320" name="Worksheet" r:id="rId3" imgW="3231022" imgH="921886" progId="Excel.Sheet.12">
+                <p:oleObj spid="_x0000_s12329" name="Worksheet" r:id="rId3" imgW="3231022" imgH="921886" progId="Excel.Sheet.12">
                   <p:embed/>
                 </p:oleObj>
               </mc:Choice>
@@ -9387,7 +9365,7 @@
           <a:graphicData uri="http://schemas.openxmlformats.org/presentationml/2006/ole">
             <mc:AlternateContent xmlns:mc="http://schemas.openxmlformats.org/markup-compatibility/2006">
               <mc:Choice xmlns:v="urn:schemas-microsoft-com:vml" Requires="v">
-                <p:oleObj spid="_x0000_s12321" name="Worksheet" r:id="rId5" imgW="5379649" imgH="1486018" progId="Excel.Sheet.12">
+                <p:oleObj spid="_x0000_s12330" name="Worksheet" r:id="rId5" imgW="5379649" imgH="1486018" progId="Excel.Sheet.12">
                   <p:embed/>
                 </p:oleObj>
               </mc:Choice>
@@ -9456,7 +9434,7 @@
           <a:graphicData uri="http://schemas.openxmlformats.org/presentationml/2006/ole">
             <mc:AlternateContent xmlns:mc="http://schemas.openxmlformats.org/markup-compatibility/2006">
               <mc:Choice xmlns:v="urn:schemas-microsoft-com:vml" Requires="v">
-                <p:oleObj spid="_x0000_s12322" name="Worksheet" r:id="rId7" imgW="3231022" imgH="1531644" progId="Excel.Sheet.12">
+                <p:oleObj spid="_x0000_s12331" name="Worksheet" r:id="rId7" imgW="3231022" imgH="1531644" progId="Excel.Sheet.12">
                   <p:embed/>
                 </p:oleObj>
               </mc:Choice>
